--- a/Project-management/Zwischenpräsentationen/13.12.2024/Zwischenpräsentation Homesphere 13.12.2024.pptx
+++ b/Project-management/Zwischenpräsentationen/13.12.2024/Zwischenpräsentation Homesphere 13.12.2024.pptx
@@ -138,7 +138,7 @@
   <pc:docChgLst>
     <pc:chgData name="Wörndle Linus" userId="e99df0f2-d3c7-483b-b111-e87b6efc6f80" providerId="ADAL" clId="{0A15EE37-C2E9-4ACD-8344-72EF435BF6C9}"/>
     <pc:docChg chg="undo redo custSel addSld delSld modSld sldOrd">
-      <pc:chgData name="Wörndle Linus" userId="e99df0f2-d3c7-483b-b111-e87b6efc6f80" providerId="ADAL" clId="{0A15EE37-C2E9-4ACD-8344-72EF435BF6C9}" dt="2024-12-10T08:26:19.558" v="1629" actId="20577"/>
+      <pc:chgData name="Wörndle Linus" userId="e99df0f2-d3c7-483b-b111-e87b6efc6f80" providerId="ADAL" clId="{0A15EE37-C2E9-4ACD-8344-72EF435BF6C9}" dt="2024-12-13T14:40:08.604" v="1645" actId="20577"/>
       <pc:docMkLst>
         <pc:docMk/>
       </pc:docMkLst>
@@ -162,38 +162,6 @@
             <pc:docMk/>
             <pc:sldMk cId="3974810197" sldId="256"/>
             <ac:spMk id="3" creationId="{DD33B374-D347-6C0B-4F4E-23B6C4A402EF}"/>
-          </ac:spMkLst>
-        </pc:spChg>
-        <pc:spChg chg="del">
-          <ac:chgData name="Wörndle Linus" userId="e99df0f2-d3c7-483b-b111-e87b6efc6f80" providerId="ADAL" clId="{0A15EE37-C2E9-4ACD-8344-72EF435BF6C9}" dt="2024-12-10T07:19:17.688" v="45" actId="478"/>
-          <ac:spMkLst>
-            <pc:docMk/>
-            <pc:sldMk cId="3974810197" sldId="256"/>
-            <ac:spMk id="5" creationId="{C6B9B8BE-BDE0-C20C-77BD-07025750865C}"/>
-          </ac:spMkLst>
-        </pc:spChg>
-        <pc:spChg chg="add del mod">
-          <ac:chgData name="Wörndle Linus" userId="e99df0f2-d3c7-483b-b111-e87b6efc6f80" providerId="ADAL" clId="{0A15EE37-C2E9-4ACD-8344-72EF435BF6C9}" dt="2024-12-10T07:19:17.688" v="45" actId="478"/>
-          <ac:spMkLst>
-            <pc:docMk/>
-            <pc:sldMk cId="3974810197" sldId="256"/>
-            <ac:spMk id="8" creationId="{269E9AEE-E46A-076A-8A14-043F389766BC}"/>
-          </ac:spMkLst>
-        </pc:spChg>
-        <pc:spChg chg="add del mod">
-          <ac:chgData name="Wörndle Linus" userId="e99df0f2-d3c7-483b-b111-e87b6efc6f80" providerId="ADAL" clId="{0A15EE37-C2E9-4ACD-8344-72EF435BF6C9}" dt="2024-12-10T07:19:17.688" v="45" actId="478"/>
-          <ac:spMkLst>
-            <pc:docMk/>
-            <pc:sldMk cId="3974810197" sldId="256"/>
-            <ac:spMk id="9" creationId="{76224D55-91A3-E8F8-67E8-FBF303C83FFC}"/>
-          </ac:spMkLst>
-        </pc:spChg>
-        <pc:spChg chg="add del mod">
-          <ac:chgData name="Wörndle Linus" userId="e99df0f2-d3c7-483b-b111-e87b6efc6f80" providerId="ADAL" clId="{0A15EE37-C2E9-4ACD-8344-72EF435BF6C9}" dt="2024-12-10T07:19:17.688" v="45" actId="478"/>
-          <ac:spMkLst>
-            <pc:docMk/>
-            <pc:sldMk cId="3974810197" sldId="256"/>
-            <ac:spMk id="10" creationId="{879DB26B-0ABC-0BFA-A008-3DE5E4289621}"/>
           </ac:spMkLst>
         </pc:spChg>
         <pc:spChg chg="add mod">
@@ -235,30 +203,6 @@
           <pc:docMk/>
           <pc:sldMk cId="1978475466" sldId="257"/>
         </pc:sldMkLst>
-        <pc:spChg chg="add del">
-          <ac:chgData name="Wörndle Linus" userId="e99df0f2-d3c7-483b-b111-e87b6efc6f80" providerId="ADAL" clId="{0A15EE37-C2E9-4ACD-8344-72EF435BF6C9}" dt="2024-12-10T07:18:39.292" v="19" actId="21"/>
-          <ac:spMkLst>
-            <pc:docMk/>
-            <pc:sldMk cId="1978475466" sldId="257"/>
-            <ac:spMk id="2" creationId="{41A8AACF-8E08-9E08-725C-FFC858CE4893}"/>
-          </ac:spMkLst>
-        </pc:spChg>
-        <pc:spChg chg="add del">
-          <ac:chgData name="Wörndle Linus" userId="e99df0f2-d3c7-483b-b111-e87b6efc6f80" providerId="ADAL" clId="{0A15EE37-C2E9-4ACD-8344-72EF435BF6C9}" dt="2024-12-10T07:18:39.292" v="19" actId="21"/>
-          <ac:spMkLst>
-            <pc:docMk/>
-            <pc:sldMk cId="1978475466" sldId="257"/>
-            <ac:spMk id="3" creationId="{E84CFC54-9339-DD07-3AF4-720AEB954A14}"/>
-          </ac:spMkLst>
-        </pc:spChg>
-        <pc:spChg chg="add del">
-          <ac:chgData name="Wörndle Linus" userId="e99df0f2-d3c7-483b-b111-e87b6efc6f80" providerId="ADAL" clId="{0A15EE37-C2E9-4ACD-8344-72EF435BF6C9}" dt="2024-12-10T07:18:39.292" v="19" actId="21"/>
-          <ac:spMkLst>
-            <pc:docMk/>
-            <pc:sldMk cId="1978475466" sldId="257"/>
-            <ac:spMk id="4" creationId="{3CA6B4A2-0E17-FB66-A7E1-26857BCC0D87}"/>
-          </ac:spMkLst>
-        </pc:spChg>
       </pc:sldChg>
       <pc:sldChg chg="addSp delSp modSp new del mod">
         <pc:chgData name="Wörndle Linus" userId="e99df0f2-d3c7-483b-b111-e87b6efc6f80" providerId="ADAL" clId="{0A15EE37-C2E9-4ACD-8344-72EF435BF6C9}" dt="2024-12-10T07:18:36.662" v="17" actId="680"/>
@@ -266,30 +210,6 @@
           <pc:docMk/>
           <pc:sldMk cId="3491376793" sldId="257"/>
         </pc:sldMkLst>
-        <pc:spChg chg="add del mod">
-          <ac:chgData name="Wörndle Linus" userId="e99df0f2-d3c7-483b-b111-e87b6efc6f80" providerId="ADAL" clId="{0A15EE37-C2E9-4ACD-8344-72EF435BF6C9}" dt="2024-12-10T07:18:35.670" v="15" actId="1076"/>
-          <ac:spMkLst>
-            <pc:docMk/>
-            <pc:sldMk cId="3491376793" sldId="257"/>
-            <ac:spMk id="2" creationId="{A89970CA-05C1-5498-A626-ADA5F375FB0E}"/>
-          </ac:spMkLst>
-        </pc:spChg>
-        <pc:spChg chg="add del mod">
-          <ac:chgData name="Wörndle Linus" userId="e99df0f2-d3c7-483b-b111-e87b6efc6f80" providerId="ADAL" clId="{0A15EE37-C2E9-4ACD-8344-72EF435BF6C9}" dt="2024-12-10T07:18:36.262" v="16" actId="1076"/>
-          <ac:spMkLst>
-            <pc:docMk/>
-            <pc:sldMk cId="3491376793" sldId="257"/>
-            <ac:spMk id="3" creationId="{8AD9D4D4-7F66-7891-F179-6BC46A564120}"/>
-          </ac:spMkLst>
-        </pc:spChg>
-        <pc:spChg chg="add del mod">
-          <ac:chgData name="Wörndle Linus" userId="e99df0f2-d3c7-483b-b111-e87b6efc6f80" providerId="ADAL" clId="{0A15EE37-C2E9-4ACD-8344-72EF435BF6C9}" dt="2024-12-10T07:18:35.670" v="15" actId="1076"/>
-          <ac:spMkLst>
-            <pc:docMk/>
-            <pc:sldMk cId="3491376793" sldId="257"/>
-            <ac:spMk id="4" creationId="{0EBA63E8-A4E5-1301-5A50-8678F00221EC}"/>
-          </ac:spMkLst>
-        </pc:spChg>
       </pc:sldChg>
       <pc:sldChg chg="addSp delSp modSp new del mod">
         <pc:chgData name="Wörndle Linus" userId="e99df0f2-d3c7-483b-b111-e87b6efc6f80" providerId="ADAL" clId="{0A15EE37-C2E9-4ACD-8344-72EF435BF6C9}" dt="2024-12-10T07:21:20.569" v="203" actId="2696"/>
@@ -297,62 +217,6 @@
           <pc:docMk/>
           <pc:sldMk cId="3994335599" sldId="257"/>
         </pc:sldMkLst>
-        <pc:spChg chg="del mod">
-          <ac:chgData name="Wörndle Linus" userId="e99df0f2-d3c7-483b-b111-e87b6efc6f80" providerId="ADAL" clId="{0A15EE37-C2E9-4ACD-8344-72EF435BF6C9}" dt="2024-12-10T07:19:04.083" v="42" actId="21"/>
-          <ac:spMkLst>
-            <pc:docMk/>
-            <pc:sldMk cId="3994335599" sldId="257"/>
-            <ac:spMk id="2" creationId="{269E9AEE-E46A-076A-8A14-043F389766BC}"/>
-          </ac:spMkLst>
-        </pc:spChg>
-        <pc:spChg chg="del mod">
-          <ac:chgData name="Wörndle Linus" userId="e99df0f2-d3c7-483b-b111-e87b6efc6f80" providerId="ADAL" clId="{0A15EE37-C2E9-4ACD-8344-72EF435BF6C9}" dt="2024-12-10T07:19:04.083" v="42" actId="21"/>
-          <ac:spMkLst>
-            <pc:docMk/>
-            <pc:sldMk cId="3994335599" sldId="257"/>
-            <ac:spMk id="3" creationId="{76224D55-91A3-E8F8-67E8-FBF303C83FFC}"/>
-          </ac:spMkLst>
-        </pc:spChg>
-        <pc:spChg chg="del mod">
-          <ac:chgData name="Wörndle Linus" userId="e99df0f2-d3c7-483b-b111-e87b6efc6f80" providerId="ADAL" clId="{0A15EE37-C2E9-4ACD-8344-72EF435BF6C9}" dt="2024-12-10T07:19:04.083" v="42" actId="21"/>
-          <ac:spMkLst>
-            <pc:docMk/>
-            <pc:sldMk cId="3994335599" sldId="257"/>
-            <ac:spMk id="4" creationId="{879DB26B-0ABC-0BFA-A008-3DE5E4289621}"/>
-          </ac:spMkLst>
-        </pc:spChg>
-        <pc:spChg chg="add mod">
-          <ac:chgData name="Wörndle Linus" userId="e99df0f2-d3c7-483b-b111-e87b6efc6f80" providerId="ADAL" clId="{0A15EE37-C2E9-4ACD-8344-72EF435BF6C9}" dt="2024-12-10T07:18:55.253" v="27" actId="571"/>
-          <ac:spMkLst>
-            <pc:docMk/>
-            <pc:sldMk cId="3994335599" sldId="257"/>
-            <ac:spMk id="5" creationId="{7D85B158-7988-7F99-027E-DEF0448861ED}"/>
-          </ac:spMkLst>
-        </pc:spChg>
-        <pc:spChg chg="add mod">
-          <ac:chgData name="Wörndle Linus" userId="e99df0f2-d3c7-483b-b111-e87b6efc6f80" providerId="ADAL" clId="{0A15EE37-C2E9-4ACD-8344-72EF435BF6C9}" dt="2024-12-10T07:19:04.083" v="42" actId="21"/>
-          <ac:spMkLst>
-            <pc:docMk/>
-            <pc:sldMk cId="3994335599" sldId="257"/>
-            <ac:spMk id="7" creationId="{E7BDE0C4-1B93-3A57-522F-7660FB95B824}"/>
-          </ac:spMkLst>
-        </pc:spChg>
-        <pc:spChg chg="add mod">
-          <ac:chgData name="Wörndle Linus" userId="e99df0f2-d3c7-483b-b111-e87b6efc6f80" providerId="ADAL" clId="{0A15EE37-C2E9-4ACD-8344-72EF435BF6C9}" dt="2024-12-10T07:19:04.083" v="42" actId="21"/>
-          <ac:spMkLst>
-            <pc:docMk/>
-            <pc:sldMk cId="3994335599" sldId="257"/>
-            <ac:spMk id="9" creationId="{83E5F8A7-49D7-5338-FA61-75A7DB15AD17}"/>
-          </ac:spMkLst>
-        </pc:spChg>
-        <pc:spChg chg="add mod">
-          <ac:chgData name="Wörndle Linus" userId="e99df0f2-d3c7-483b-b111-e87b6efc6f80" providerId="ADAL" clId="{0A15EE37-C2E9-4ACD-8344-72EF435BF6C9}" dt="2024-12-10T07:19:04.083" v="42" actId="21"/>
-          <ac:spMkLst>
-            <pc:docMk/>
-            <pc:sldMk cId="3994335599" sldId="257"/>
-            <ac:spMk id="11" creationId="{1E2F0469-23C1-B729-3524-3F5D1BD1A684}"/>
-          </ac:spMkLst>
-        </pc:spChg>
       </pc:sldChg>
       <pc:sldChg chg="addSp delSp modSp add mod modTransition">
         <pc:chgData name="Wörndle Linus" userId="e99df0f2-d3c7-483b-b111-e87b6efc6f80" providerId="ADAL" clId="{0A15EE37-C2E9-4ACD-8344-72EF435BF6C9}" dt="2024-12-10T07:55:05.477" v="724" actId="1076"/>
@@ -368,36 +232,12 @@
             <ac:spMk id="2" creationId="{DC039065-68E2-987F-1E2C-C63F0F025E9F}"/>
           </ac:spMkLst>
         </pc:spChg>
-        <pc:spChg chg="add mod">
-          <ac:chgData name="Wörndle Linus" userId="e99df0f2-d3c7-483b-b111-e87b6efc6f80" providerId="ADAL" clId="{0A15EE37-C2E9-4ACD-8344-72EF435BF6C9}" dt="2024-12-10T07:55:05.477" v="724" actId="1076"/>
-          <ac:spMkLst>
-            <pc:docMk/>
-            <pc:sldMk cId="2326007455" sldId="258"/>
-            <ac:spMk id="3" creationId="{CABA9598-F5EA-EC7C-205D-49148B82737B}"/>
-          </ac:spMkLst>
-        </pc:spChg>
-        <pc:spChg chg="add mod">
-          <ac:chgData name="Wörndle Linus" userId="e99df0f2-d3c7-483b-b111-e87b6efc6f80" providerId="ADAL" clId="{0A15EE37-C2E9-4ACD-8344-72EF435BF6C9}" dt="2024-12-10T07:55:05.477" v="724" actId="1076"/>
-          <ac:spMkLst>
-            <pc:docMk/>
-            <pc:sldMk cId="2326007455" sldId="258"/>
-            <ac:spMk id="6" creationId="{DEE876E5-4997-9AAC-F958-0AC32352E3A0}"/>
-          </ac:spMkLst>
-        </pc:spChg>
         <pc:spChg chg="mod">
           <ac:chgData name="Wörndle Linus" userId="e99df0f2-d3c7-483b-b111-e87b6efc6f80" providerId="ADAL" clId="{0A15EE37-C2E9-4ACD-8344-72EF435BF6C9}" dt="2024-12-10T07:30:19.396" v="302" actId="14100"/>
           <ac:spMkLst>
             <pc:docMk/>
             <pc:sldMk cId="2326007455" sldId="258"/>
             <ac:spMk id="8" creationId="{2D6761A4-C0C9-44A4-B60D-7DD829BFAC75}"/>
-          </ac:spMkLst>
-        </pc:spChg>
-        <pc:spChg chg="del">
-          <ac:chgData name="Wörndle Linus" userId="e99df0f2-d3c7-483b-b111-e87b6efc6f80" providerId="ADAL" clId="{0A15EE37-C2E9-4ACD-8344-72EF435BF6C9}" dt="2024-12-10T07:28:41.519" v="221" actId="478"/>
-          <ac:spMkLst>
-            <pc:docMk/>
-            <pc:sldMk cId="2326007455" sldId="258"/>
-            <ac:spMk id="9" creationId="{7EBB5297-84AD-1ADE-6E92-28642865FB79}"/>
           </ac:spMkLst>
         </pc:spChg>
         <pc:spChg chg="mod">
@@ -415,53 +255,13 @@
           <pc:docMk/>
           <pc:sldMk cId="929906251" sldId="259"/>
         </pc:sldMkLst>
-        <pc:spChg chg="del mod">
-          <ac:chgData name="Wörndle Linus" userId="e99df0f2-d3c7-483b-b111-e87b6efc6f80" providerId="ADAL" clId="{0A15EE37-C2E9-4ACD-8344-72EF435BF6C9}" dt="2024-12-10T07:19:27.650" v="60" actId="21"/>
-          <ac:spMkLst>
-            <pc:docMk/>
-            <pc:sldMk cId="929906251" sldId="259"/>
-            <ac:spMk id="2" creationId="{38F4D661-C53C-FEB4-FED9-DD08DF61EE9E}"/>
-          </ac:spMkLst>
-        </pc:spChg>
-        <pc:spChg chg="del mod">
-          <ac:chgData name="Wörndle Linus" userId="e99df0f2-d3c7-483b-b111-e87b6efc6f80" providerId="ADAL" clId="{0A15EE37-C2E9-4ACD-8344-72EF435BF6C9}" dt="2024-12-10T07:19:27.650" v="60" actId="21"/>
-          <ac:spMkLst>
-            <pc:docMk/>
-            <pc:sldMk cId="929906251" sldId="259"/>
-            <ac:spMk id="3" creationId="{E825E41F-28A6-AAB4-4B5F-45C7A403099D}"/>
-          </ac:spMkLst>
-        </pc:spChg>
-        <pc:spChg chg="add mod">
-          <ac:chgData name="Wörndle Linus" userId="e99df0f2-d3c7-483b-b111-e87b6efc6f80" providerId="ADAL" clId="{0A15EE37-C2E9-4ACD-8344-72EF435BF6C9}" dt="2024-12-10T07:19:27.650" v="60" actId="21"/>
-          <ac:spMkLst>
-            <pc:docMk/>
-            <pc:sldMk cId="929906251" sldId="259"/>
-            <ac:spMk id="5" creationId="{33FB8E1D-E9B5-CB72-62D7-013DA4CC43CF}"/>
-          </ac:spMkLst>
-        </pc:spChg>
-        <pc:spChg chg="add mod">
-          <ac:chgData name="Wörndle Linus" userId="e99df0f2-d3c7-483b-b111-e87b6efc6f80" providerId="ADAL" clId="{0A15EE37-C2E9-4ACD-8344-72EF435BF6C9}" dt="2024-12-10T07:19:27.650" v="60" actId="21"/>
-          <ac:spMkLst>
-            <pc:docMk/>
-            <pc:sldMk cId="929906251" sldId="259"/>
-            <ac:spMk id="7" creationId="{D00DFF50-33A6-285E-A250-D33B945C7EA5}"/>
-          </ac:spMkLst>
-        </pc:spChg>
       </pc:sldChg>
       <pc:sldChg chg="addSp delSp modSp add mod">
-        <pc:chgData name="Wörndle Linus" userId="e99df0f2-d3c7-483b-b111-e87b6efc6f80" providerId="ADAL" clId="{0A15EE37-C2E9-4ACD-8344-72EF435BF6C9}" dt="2024-12-10T08:09:54.832" v="1282" actId="1076"/>
+        <pc:chgData name="Wörndle Linus" userId="e99df0f2-d3c7-483b-b111-e87b6efc6f80" providerId="ADAL" clId="{0A15EE37-C2E9-4ACD-8344-72EF435BF6C9}" dt="2024-12-13T14:40:08.604" v="1645" actId="20577"/>
         <pc:sldMkLst>
           <pc:docMk/>
           <pc:sldMk cId="1276320185" sldId="259"/>
         </pc:sldMkLst>
-        <pc:spChg chg="del">
-          <ac:chgData name="Wörndle Linus" userId="e99df0f2-d3c7-483b-b111-e87b6efc6f80" providerId="ADAL" clId="{0A15EE37-C2E9-4ACD-8344-72EF435BF6C9}" dt="2024-12-10T07:51:23.413" v="673" actId="478"/>
-          <ac:spMkLst>
-            <pc:docMk/>
-            <pc:sldMk cId="1276320185" sldId="259"/>
-            <ac:spMk id="2" creationId="{6B21D2ED-89A5-AF06-4566-82A4EBB1E8DF}"/>
-          </ac:spMkLst>
-        </pc:spChg>
         <pc:spChg chg="add mod">
           <ac:chgData name="Wörndle Linus" userId="e99df0f2-d3c7-483b-b111-e87b6efc6f80" providerId="ADAL" clId="{0A15EE37-C2E9-4ACD-8344-72EF435BF6C9}" dt="2024-12-10T07:56:23.684" v="733" actId="1076"/>
           <ac:spMkLst>
@@ -478,16 +278,8 @@
             <ac:spMk id="4" creationId="{36131C82-3B58-D4A6-C500-EB5E4B9A548A}"/>
           </ac:spMkLst>
         </pc:spChg>
-        <pc:spChg chg="del mod">
-          <ac:chgData name="Wörndle Linus" userId="e99df0f2-d3c7-483b-b111-e87b6efc6f80" providerId="ADAL" clId="{0A15EE37-C2E9-4ACD-8344-72EF435BF6C9}" dt="2024-12-10T08:09:42.465" v="1280" actId="478"/>
-          <ac:spMkLst>
-            <pc:docMk/>
-            <pc:sldMk cId="1276320185" sldId="259"/>
-            <ac:spMk id="5" creationId="{29E3E6D3-AA0B-001B-BBE8-0846700495EF}"/>
-          </ac:spMkLst>
-        </pc:spChg>
         <pc:spChg chg="mod">
-          <ac:chgData name="Wörndle Linus" userId="e99df0f2-d3c7-483b-b111-e87b6efc6f80" providerId="ADAL" clId="{0A15EE37-C2E9-4ACD-8344-72EF435BF6C9}" dt="2024-12-10T08:02:53.655" v="1050" actId="14100"/>
+          <ac:chgData name="Wörndle Linus" userId="e99df0f2-d3c7-483b-b111-e87b6efc6f80" providerId="ADAL" clId="{0A15EE37-C2E9-4ACD-8344-72EF435BF6C9}" dt="2024-12-13T14:06:15.544" v="1631" actId="20577"/>
           <ac:spMkLst>
             <pc:docMk/>
             <pc:sldMk cId="1276320185" sldId="259"/>
@@ -495,7 +287,7 @@
           </ac:spMkLst>
         </pc:spChg>
         <pc:spChg chg="mod">
-          <ac:chgData name="Wörndle Linus" userId="e99df0f2-d3c7-483b-b111-e87b6efc6f80" providerId="ADAL" clId="{0A15EE37-C2E9-4ACD-8344-72EF435BF6C9}" dt="2024-12-10T08:02:51.081" v="1049" actId="14100"/>
+          <ac:chgData name="Wörndle Linus" userId="e99df0f2-d3c7-483b-b111-e87b6efc6f80" providerId="ADAL" clId="{0A15EE37-C2E9-4ACD-8344-72EF435BF6C9}" dt="2024-12-13T14:40:08.604" v="1645" actId="20577"/>
           <ac:spMkLst>
             <pc:docMk/>
             <pc:sldMk cId="1276320185" sldId="259"/>
@@ -525,14 +317,6 @@
           <pc:docMk/>
           <pc:sldMk cId="2819980975" sldId="260"/>
         </pc:sldMkLst>
-        <pc:spChg chg="del">
-          <ac:chgData name="Wörndle Linus" userId="e99df0f2-d3c7-483b-b111-e87b6efc6f80" providerId="ADAL" clId="{0A15EE37-C2E9-4ACD-8344-72EF435BF6C9}" dt="2024-12-10T07:51:28.572" v="675" actId="478"/>
-          <ac:spMkLst>
-            <pc:docMk/>
-            <pc:sldMk cId="2819980975" sldId="260"/>
-            <ac:spMk id="2" creationId="{F8A6522A-0861-21C6-8D8A-09BF355F4857}"/>
-          </ac:spMkLst>
-        </pc:spChg>
         <pc:spChg chg="mod">
           <ac:chgData name="Wörndle Linus" userId="e99df0f2-d3c7-483b-b111-e87b6efc6f80" providerId="ADAL" clId="{0A15EE37-C2E9-4ACD-8344-72EF435BF6C9}" dt="2024-12-10T07:30:31.957" v="304"/>
           <ac:spMkLst>
@@ -549,22 +333,6 @@
             <ac:spMk id="10" creationId="{2D3BF815-6A0E-31A7-FEDC-EDF8B91B67DB}"/>
           </ac:spMkLst>
         </pc:spChg>
-        <pc:picChg chg="add del mod">
-          <ac:chgData name="Wörndle Linus" userId="e99df0f2-d3c7-483b-b111-e87b6efc6f80" providerId="ADAL" clId="{0A15EE37-C2E9-4ACD-8344-72EF435BF6C9}" dt="2024-12-10T08:09:24.948" v="1274" actId="21"/>
-          <ac:picMkLst>
-            <pc:docMk/>
-            <pc:sldMk cId="2819980975" sldId="260"/>
-            <ac:picMk id="3" creationId="{1771FD33-FD8D-F087-DBD4-3A0024F8E36D}"/>
-          </ac:picMkLst>
-        </pc:picChg>
-        <pc:picChg chg="add del mod">
-          <ac:chgData name="Wörndle Linus" userId="e99df0f2-d3c7-483b-b111-e87b6efc6f80" providerId="ADAL" clId="{0A15EE37-C2E9-4ACD-8344-72EF435BF6C9}" dt="2024-12-10T08:09:18.310" v="1272" actId="21"/>
-          <ac:picMkLst>
-            <pc:docMk/>
-            <pc:sldMk cId="2819980975" sldId="260"/>
-            <ac:picMk id="9" creationId="{1771FD33-FD8D-F087-DBD4-3A0024F8E36D}"/>
-          </ac:picMkLst>
-        </pc:picChg>
       </pc:sldChg>
       <pc:sldChg chg="addSp delSp modSp add mod ord">
         <pc:chgData name="Wörndle Linus" userId="e99df0f2-d3c7-483b-b111-e87b6efc6f80" providerId="ADAL" clId="{0A15EE37-C2E9-4ACD-8344-72EF435BF6C9}" dt="2024-12-10T07:55:49.118" v="731" actId="1076"/>
@@ -594,14 +362,6 @@
             <pc:docMk/>
             <pc:sldMk cId="3763291375" sldId="261"/>
             <ac:spMk id="4" creationId="{4C34F469-7CDE-FBC8-C7BF-2EBFB7A2ACD8}"/>
-          </ac:spMkLst>
-        </pc:spChg>
-        <pc:spChg chg="add del mod">
-          <ac:chgData name="Wörndle Linus" userId="e99df0f2-d3c7-483b-b111-e87b6efc6f80" providerId="ADAL" clId="{0A15EE37-C2E9-4ACD-8344-72EF435BF6C9}" dt="2024-12-10T07:32:23.247" v="322" actId="478"/>
-          <ac:spMkLst>
-            <pc:docMk/>
-            <pc:sldMk cId="3763291375" sldId="261"/>
-            <ac:spMk id="6" creationId="{396D9D88-26E1-BD8F-A639-AB85CC432539}"/>
           </ac:spMkLst>
         </pc:spChg>
         <pc:spChg chg="add mod">
@@ -636,22 +396,6 @@
             <ac:spMk id="11" creationId="{EAC5C5BF-44E9-948D-8401-CA5BD3908872}"/>
           </ac:spMkLst>
         </pc:spChg>
-        <pc:spChg chg="del">
-          <ac:chgData name="Wörndle Linus" userId="e99df0f2-d3c7-483b-b111-e87b6efc6f80" providerId="ADAL" clId="{0A15EE37-C2E9-4ACD-8344-72EF435BF6C9}" dt="2024-12-10T07:32:20.622" v="321" actId="478"/>
-          <ac:spMkLst>
-            <pc:docMk/>
-            <pc:sldMk cId="3763291375" sldId="261"/>
-            <ac:spMk id="12" creationId="{F2629FC8-4534-95A9-ECF3-E789E61B980D}"/>
-          </ac:spMkLst>
-        </pc:spChg>
-        <pc:spChg chg="del">
-          <ac:chgData name="Wörndle Linus" userId="e99df0f2-d3c7-483b-b111-e87b6efc6f80" providerId="ADAL" clId="{0A15EE37-C2E9-4ACD-8344-72EF435BF6C9}" dt="2024-12-10T07:30:46.929" v="308" actId="478"/>
-          <ac:spMkLst>
-            <pc:docMk/>
-            <pc:sldMk cId="3763291375" sldId="261"/>
-            <ac:spMk id="13" creationId="{22E46560-2B77-7002-F563-1046B37B25A3}"/>
-          </ac:spMkLst>
-        </pc:spChg>
       </pc:sldChg>
       <pc:sldChg chg="addSp delSp modSp add mod">
         <pc:chgData name="Wörndle Linus" userId="e99df0f2-d3c7-483b-b111-e87b6efc6f80" providerId="ADAL" clId="{0A15EE37-C2E9-4ACD-8344-72EF435BF6C9}" dt="2024-12-10T08:09:28.072" v="1276" actId="1076"/>
@@ -659,22 +403,6 @@
           <pc:docMk/>
           <pc:sldMk cId="1606163957" sldId="262"/>
         </pc:sldMkLst>
-        <pc:spChg chg="del">
-          <ac:chgData name="Wörndle Linus" userId="e99df0f2-d3c7-483b-b111-e87b6efc6f80" providerId="ADAL" clId="{0A15EE37-C2E9-4ACD-8344-72EF435BF6C9}" dt="2024-12-10T07:51:25.922" v="674" actId="478"/>
-          <ac:spMkLst>
-            <pc:docMk/>
-            <pc:sldMk cId="1606163957" sldId="262"/>
-            <ac:spMk id="2" creationId="{281E4172-AF3D-30CF-FA39-4CA988D429D8}"/>
-          </ac:spMkLst>
-        </pc:spChg>
-        <pc:spChg chg="del">
-          <ac:chgData name="Wörndle Linus" userId="e99df0f2-d3c7-483b-b111-e87b6efc6f80" providerId="ADAL" clId="{0A15EE37-C2E9-4ACD-8344-72EF435BF6C9}" dt="2024-12-10T07:51:25.922" v="674" actId="478"/>
-          <ac:spMkLst>
-            <pc:docMk/>
-            <pc:sldMk cId="1606163957" sldId="262"/>
-            <ac:spMk id="3" creationId="{65DC3029-5791-30AC-9DA2-E4540DB63054}"/>
-          </ac:spMkLst>
-        </pc:spChg>
         <pc:spChg chg="add mod">
           <ac:chgData name="Wörndle Linus" userId="e99df0f2-d3c7-483b-b111-e87b6efc6f80" providerId="ADAL" clId="{0A15EE37-C2E9-4ACD-8344-72EF435BF6C9}" dt="2024-12-10T07:55:36.998" v="729" actId="1076"/>
           <ac:spMkLst>
@@ -699,14 +427,6 @@
             <ac:spMk id="11" creationId="{ACB23DFA-15B5-8F4C-AAEB-99DE5C910DC8}"/>
           </ac:spMkLst>
         </pc:spChg>
-        <pc:picChg chg="add del mod">
-          <ac:chgData name="Wörndle Linus" userId="e99df0f2-d3c7-483b-b111-e87b6efc6f80" providerId="ADAL" clId="{0A15EE37-C2E9-4ACD-8344-72EF435BF6C9}" dt="2024-12-10T08:09:00.553" v="1267" actId="21"/>
-          <ac:picMkLst>
-            <pc:docMk/>
-            <pc:sldMk cId="1606163957" sldId="262"/>
-            <ac:picMk id="9" creationId="{1771FD33-FD8D-F087-DBD4-3A0024F8E36D}"/>
-          </ac:picMkLst>
-        </pc:picChg>
         <pc:picChg chg="add mod">
           <ac:chgData name="Wörndle Linus" userId="e99df0f2-d3c7-483b-b111-e87b6efc6f80" providerId="ADAL" clId="{0A15EE37-C2E9-4ACD-8344-72EF435BF6C9}" dt="2024-12-10T08:09:28.072" v="1276" actId="1076"/>
           <ac:picMkLst>
@@ -722,22 +442,6 @@
           <pc:docMk/>
           <pc:sldMk cId="2485865101" sldId="263"/>
         </pc:sldMkLst>
-        <pc:spChg chg="del">
-          <ac:chgData name="Wörndle Linus" userId="e99df0f2-d3c7-483b-b111-e87b6efc6f80" providerId="ADAL" clId="{0A15EE37-C2E9-4ACD-8344-72EF435BF6C9}" dt="2024-12-10T07:51:16.236" v="672" actId="478"/>
-          <ac:spMkLst>
-            <pc:docMk/>
-            <pc:sldMk cId="2485865101" sldId="263"/>
-            <ac:spMk id="2" creationId="{8872532A-4484-1E29-3611-E07B3DF9354A}"/>
-          </ac:spMkLst>
-        </pc:spChg>
-        <pc:spChg chg="del">
-          <ac:chgData name="Wörndle Linus" userId="e99df0f2-d3c7-483b-b111-e87b6efc6f80" providerId="ADAL" clId="{0A15EE37-C2E9-4ACD-8344-72EF435BF6C9}" dt="2024-12-10T07:51:16.236" v="672" actId="478"/>
-          <ac:spMkLst>
-            <pc:docMk/>
-            <pc:sldMk cId="2485865101" sldId="263"/>
-            <ac:spMk id="3" creationId="{4DACE32D-DCD4-BB50-851A-682920D8443D}"/>
-          </ac:spMkLst>
-        </pc:spChg>
         <pc:spChg chg="mod">
           <ac:chgData name="Wörndle Linus" userId="e99df0f2-d3c7-483b-b111-e87b6efc6f80" providerId="ADAL" clId="{0A15EE37-C2E9-4ACD-8344-72EF435BF6C9}" dt="2024-12-10T07:49:32.937" v="634"/>
           <ac:spMkLst>
@@ -761,36 +465,12 @@
           <pc:docMk/>
           <pc:sldMk cId="2042442164" sldId="264"/>
         </pc:sldMkLst>
-        <pc:spChg chg="del">
-          <ac:chgData name="Wörndle Linus" userId="e99df0f2-d3c7-483b-b111-e87b6efc6f80" providerId="ADAL" clId="{0A15EE37-C2E9-4ACD-8344-72EF435BF6C9}" dt="2024-12-10T07:51:12.657" v="671" actId="478"/>
-          <ac:spMkLst>
-            <pc:docMk/>
-            <pc:sldMk cId="2042442164" sldId="264"/>
-            <ac:spMk id="2" creationId="{34159CA2-1D8E-5BC7-4AA9-CC6996B0E7DF}"/>
-          </ac:spMkLst>
-        </pc:spChg>
         <pc:spChg chg="mod">
           <ac:chgData name="Wörndle Linus" userId="e99df0f2-d3c7-483b-b111-e87b6efc6f80" providerId="ADAL" clId="{0A15EE37-C2E9-4ACD-8344-72EF435BF6C9}" dt="2024-12-10T08:16:46.756" v="1289" actId="1076"/>
           <ac:spMkLst>
             <pc:docMk/>
             <pc:sldMk cId="2042442164" sldId="264"/>
             <ac:spMk id="4" creationId="{B8233E8B-0ECB-AD96-9204-5B256DDEF69E}"/>
-          </ac:spMkLst>
-        </pc:spChg>
-        <pc:spChg chg="del mod">
-          <ac:chgData name="Wörndle Linus" userId="e99df0f2-d3c7-483b-b111-e87b6efc6f80" providerId="ADAL" clId="{0A15EE37-C2E9-4ACD-8344-72EF435BF6C9}" dt="2024-12-10T08:16:27.456" v="1284" actId="478"/>
-          <ac:spMkLst>
-            <pc:docMk/>
-            <pc:sldMk cId="2042442164" sldId="264"/>
-            <ac:spMk id="8" creationId="{DD7A5729-EADA-185E-6D10-ADFEADBFFA63}"/>
-          </ac:spMkLst>
-        </pc:spChg>
-        <pc:spChg chg="del mod">
-          <ac:chgData name="Wörndle Linus" userId="e99df0f2-d3c7-483b-b111-e87b6efc6f80" providerId="ADAL" clId="{0A15EE37-C2E9-4ACD-8344-72EF435BF6C9}" dt="2024-12-10T08:16:23.976" v="1283" actId="478"/>
-          <ac:spMkLst>
-            <pc:docMk/>
-            <pc:sldMk cId="2042442164" sldId="264"/>
-            <ac:spMk id="10" creationId="{26D7CE6A-A18A-AC61-4FEA-D65EBBB24602}"/>
           </ac:spMkLst>
         </pc:spChg>
         <pc:picChg chg="add mod">
@@ -840,22 +520,6 @@
           <pc:docMk/>
           <pc:sldMk cId="3132228913" sldId="265"/>
         </pc:sldMkLst>
-        <pc:spChg chg="del">
-          <ac:chgData name="Wörndle Linus" userId="e99df0f2-d3c7-483b-b111-e87b6efc6f80" providerId="ADAL" clId="{0A15EE37-C2E9-4ACD-8344-72EF435BF6C9}" dt="2024-12-10T07:51:09.649" v="670" actId="478"/>
-          <ac:spMkLst>
-            <pc:docMk/>
-            <pc:sldMk cId="3132228913" sldId="265"/>
-            <ac:spMk id="2" creationId="{2968A037-B94C-F393-7C2C-665C96308CE3}"/>
-          </ac:spMkLst>
-        </pc:spChg>
-        <pc:spChg chg="del">
-          <ac:chgData name="Wörndle Linus" userId="e99df0f2-d3c7-483b-b111-e87b6efc6f80" providerId="ADAL" clId="{0A15EE37-C2E9-4ACD-8344-72EF435BF6C9}" dt="2024-12-10T07:51:09.649" v="670" actId="478"/>
-          <ac:spMkLst>
-            <pc:docMk/>
-            <pc:sldMk cId="3132228913" sldId="265"/>
-            <ac:spMk id="3" creationId="{CDB2AAF2-E155-FF90-2D53-0ABB06D7F233}"/>
-          </ac:spMkLst>
-        </pc:spChg>
         <pc:spChg chg="mod">
           <ac:chgData name="Wörndle Linus" userId="e99df0f2-d3c7-483b-b111-e87b6efc6f80" providerId="ADAL" clId="{0A15EE37-C2E9-4ACD-8344-72EF435BF6C9}" dt="2024-12-10T07:50:06.703" v="646"/>
           <ac:spMkLst>
@@ -895,14 +559,6 @@
           <pc:docMk/>
           <pc:sldMk cId="2016155105" sldId="266"/>
         </pc:sldMkLst>
-        <pc:spChg chg="del">
-          <ac:chgData name="Wörndle Linus" userId="e99df0f2-d3c7-483b-b111-e87b6efc6f80" providerId="ADAL" clId="{0A15EE37-C2E9-4ACD-8344-72EF435BF6C9}" dt="2024-12-10T07:51:03.367" v="669" actId="478"/>
-          <ac:spMkLst>
-            <pc:docMk/>
-            <pc:sldMk cId="2016155105" sldId="266"/>
-            <ac:spMk id="2" creationId="{B386D31E-BE7C-8296-A2AE-0A2CE207A48C}"/>
-          </ac:spMkLst>
-        </pc:spChg>
         <pc:spChg chg="mod">
           <ac:chgData name="Wörndle Linus" userId="e99df0f2-d3c7-483b-b111-e87b6efc6f80" providerId="ADAL" clId="{0A15EE37-C2E9-4ACD-8344-72EF435BF6C9}" dt="2024-12-10T08:25:54.654" v="1568" actId="1076"/>
           <ac:spMkLst>
@@ -926,22 +582,6 @@
           <pc:docMk/>
           <pc:sldMk cId="2299652027" sldId="267"/>
         </pc:sldMkLst>
-        <pc:spChg chg="del">
-          <ac:chgData name="Wörndle Linus" userId="e99df0f2-d3c7-483b-b111-e87b6efc6f80" providerId="ADAL" clId="{0A15EE37-C2E9-4ACD-8344-72EF435BF6C9}" dt="2024-12-10T07:51:00.613" v="668" actId="478"/>
-          <ac:spMkLst>
-            <pc:docMk/>
-            <pc:sldMk cId="2299652027" sldId="267"/>
-            <ac:spMk id="2" creationId="{5C56D8C6-AC50-A215-360F-CBD46061A5F0}"/>
-          </ac:spMkLst>
-        </pc:spChg>
-        <pc:spChg chg="del">
-          <ac:chgData name="Wörndle Linus" userId="e99df0f2-d3c7-483b-b111-e87b6efc6f80" providerId="ADAL" clId="{0A15EE37-C2E9-4ACD-8344-72EF435BF6C9}" dt="2024-12-10T07:51:00.613" v="668" actId="478"/>
-          <ac:spMkLst>
-            <pc:docMk/>
-            <pc:sldMk cId="2299652027" sldId="267"/>
-            <ac:spMk id="3" creationId="{90F3D85F-A335-C05E-CE41-C8989B1DB50A}"/>
-          </ac:spMkLst>
-        </pc:spChg>
         <pc:spChg chg="mod">
           <ac:chgData name="Wörndle Linus" userId="e99df0f2-d3c7-483b-b111-e87b6efc6f80" providerId="ADAL" clId="{0A15EE37-C2E9-4ACD-8344-72EF435BF6C9}" dt="2024-12-10T07:50:35.202" v="663"/>
           <ac:spMkLst>
@@ -957,22 +597,6 @@
           <pc:docMk/>
           <pc:sldMk cId="128772423" sldId="268"/>
         </pc:sldMkLst>
-        <pc:spChg chg="del">
-          <ac:chgData name="Wörndle Linus" userId="e99df0f2-d3c7-483b-b111-e87b6efc6f80" providerId="ADAL" clId="{0A15EE37-C2E9-4ACD-8344-72EF435BF6C9}" dt="2024-12-10T07:50:56.855" v="667" actId="478"/>
-          <ac:spMkLst>
-            <pc:docMk/>
-            <pc:sldMk cId="128772423" sldId="268"/>
-            <ac:spMk id="2" creationId="{C82B8879-534E-19D5-2F3D-93E9A9E98724}"/>
-          </ac:spMkLst>
-        </pc:spChg>
-        <pc:spChg chg="del">
-          <ac:chgData name="Wörndle Linus" userId="e99df0f2-d3c7-483b-b111-e87b6efc6f80" providerId="ADAL" clId="{0A15EE37-C2E9-4ACD-8344-72EF435BF6C9}" dt="2024-12-10T07:50:56.855" v="667" actId="478"/>
-          <ac:spMkLst>
-            <pc:docMk/>
-            <pc:sldMk cId="128772423" sldId="268"/>
-            <ac:spMk id="3" creationId="{2E1B1B80-D0AD-4EF4-ED83-CF162CEF23C0}"/>
-          </ac:spMkLst>
-        </pc:spChg>
         <pc:spChg chg="mod">
           <ac:chgData name="Wörndle Linus" userId="e99df0f2-d3c7-483b-b111-e87b6efc6f80" providerId="ADAL" clId="{0A15EE37-C2E9-4ACD-8344-72EF435BF6C9}" dt="2024-12-10T07:50:47.316" v="666" actId="14100"/>
           <ac:spMkLst>
@@ -1034,14 +658,6 @@
           <pc:docMk/>
           <pc:sldMk cId="809663371" sldId="270"/>
         </pc:sldMkLst>
-        <pc:picChg chg="add del mod">
-          <ac:chgData name="Wörndle Linus" userId="e99df0f2-d3c7-483b-b111-e87b6efc6f80" providerId="ADAL" clId="{0A15EE37-C2E9-4ACD-8344-72EF435BF6C9}" dt="2024-12-10T08:17:29.630" v="1297" actId="478"/>
-          <ac:picMkLst>
-            <pc:docMk/>
-            <pc:sldMk cId="809663371" sldId="270"/>
-            <ac:picMk id="3" creationId="{71921B45-7B1B-71D7-BC83-AF451F57F300}"/>
-          </ac:picMkLst>
-        </pc:picChg>
         <pc:picChg chg="mod">
           <ac:chgData name="Wörndle Linus" userId="e99df0f2-d3c7-483b-b111-e87b6efc6f80" providerId="ADAL" clId="{0A15EE37-C2E9-4ACD-8344-72EF435BF6C9}" dt="2024-12-10T08:17:06.148" v="1294" actId="1076"/>
           <ac:picMkLst>
@@ -1237,7 +853,7 @@
           <a:p>
             <a:fld id="{9C874AC3-E14D-44D8-867C-A64382B1DBE8}" type="datetimeFigureOut">
               <a:rPr lang="de-AT" smtClean="0"/>
-              <a:t>10.12.2024</a:t>
+              <a:t>13.12.2024</a:t>
             </a:fld>
             <a:endParaRPr lang="de-AT"/>
           </a:p>
@@ -1437,7 +1053,7 @@
           <a:p>
             <a:fld id="{9C874AC3-E14D-44D8-867C-A64382B1DBE8}" type="datetimeFigureOut">
               <a:rPr lang="de-AT" smtClean="0"/>
-              <a:t>10.12.2024</a:t>
+              <a:t>13.12.2024</a:t>
             </a:fld>
             <a:endParaRPr lang="de-AT"/>
           </a:p>
@@ -1647,7 +1263,7 @@
           <a:p>
             <a:fld id="{9C874AC3-E14D-44D8-867C-A64382B1DBE8}" type="datetimeFigureOut">
               <a:rPr lang="de-AT" smtClean="0"/>
-              <a:t>10.12.2024</a:t>
+              <a:t>13.12.2024</a:t>
             </a:fld>
             <a:endParaRPr lang="de-AT"/>
           </a:p>
@@ -1847,7 +1463,7 @@
           <a:p>
             <a:fld id="{9C874AC3-E14D-44D8-867C-A64382B1DBE8}" type="datetimeFigureOut">
               <a:rPr lang="de-AT" smtClean="0"/>
-              <a:t>10.12.2024</a:t>
+              <a:t>13.12.2024</a:t>
             </a:fld>
             <a:endParaRPr lang="de-AT"/>
           </a:p>
@@ -2123,7 +1739,7 @@
           <a:p>
             <a:fld id="{9C874AC3-E14D-44D8-867C-A64382B1DBE8}" type="datetimeFigureOut">
               <a:rPr lang="de-AT" smtClean="0"/>
-              <a:t>10.12.2024</a:t>
+              <a:t>13.12.2024</a:t>
             </a:fld>
             <a:endParaRPr lang="de-AT"/>
           </a:p>
@@ -2391,7 +2007,7 @@
           <a:p>
             <a:fld id="{9C874AC3-E14D-44D8-867C-A64382B1DBE8}" type="datetimeFigureOut">
               <a:rPr lang="de-AT" smtClean="0"/>
-              <a:t>10.12.2024</a:t>
+              <a:t>13.12.2024</a:t>
             </a:fld>
             <a:endParaRPr lang="de-AT"/>
           </a:p>
@@ -2806,7 +2422,7 @@
           <a:p>
             <a:fld id="{9C874AC3-E14D-44D8-867C-A64382B1DBE8}" type="datetimeFigureOut">
               <a:rPr lang="de-AT" smtClean="0"/>
-              <a:t>10.12.2024</a:t>
+              <a:t>13.12.2024</a:t>
             </a:fld>
             <a:endParaRPr lang="de-AT"/>
           </a:p>
@@ -2948,7 +2564,7 @@
           <a:p>
             <a:fld id="{9C874AC3-E14D-44D8-867C-A64382B1DBE8}" type="datetimeFigureOut">
               <a:rPr lang="de-AT" smtClean="0"/>
-              <a:t>10.12.2024</a:t>
+              <a:t>13.12.2024</a:t>
             </a:fld>
             <a:endParaRPr lang="de-AT"/>
           </a:p>
@@ -3061,7 +2677,7 @@
           <a:p>
             <a:fld id="{9C874AC3-E14D-44D8-867C-A64382B1DBE8}" type="datetimeFigureOut">
               <a:rPr lang="de-AT" smtClean="0"/>
-              <a:t>10.12.2024</a:t>
+              <a:t>13.12.2024</a:t>
             </a:fld>
             <a:endParaRPr lang="de-AT"/>
           </a:p>
@@ -3374,7 +2990,7 @@
           <a:p>
             <a:fld id="{9C874AC3-E14D-44D8-867C-A64382B1DBE8}" type="datetimeFigureOut">
               <a:rPr lang="de-AT" smtClean="0"/>
-              <a:t>10.12.2024</a:t>
+              <a:t>13.12.2024</a:t>
             </a:fld>
             <a:endParaRPr lang="de-AT"/>
           </a:p>
@@ -3663,7 +3279,7 @@
           <a:p>
             <a:fld id="{9C874AC3-E14D-44D8-867C-A64382B1DBE8}" type="datetimeFigureOut">
               <a:rPr lang="de-AT" smtClean="0"/>
-              <a:t>10.12.2024</a:t>
+              <a:t>13.12.2024</a:t>
             </a:fld>
             <a:endParaRPr lang="de-AT"/>
           </a:p>
@@ -3906,7 +3522,7 @@
           <a:p>
             <a:fld id="{9C874AC3-E14D-44D8-867C-A64382B1DBE8}" type="datetimeFigureOut">
               <a:rPr lang="de-AT" smtClean="0"/>
-              <a:t>10.12.2024</a:t>
+              <a:t>13.12.2024</a:t>
             </a:fld>
             <a:endParaRPr lang="de-AT"/>
           </a:p>
@@ -5317,13 +4933,13 @@
   <p:clrMapOvr>
     <a:masterClrMapping/>
   </p:clrMapOvr>
-  <mc:AlternateContent xmlns:mc="http://schemas.openxmlformats.org/markup-compatibility/2006">
-    <mc:Choice xmlns:p159="http://schemas.microsoft.com/office/powerpoint/2015/09/main" Requires="p159">
+  <mc:AlternateContent xmlns:mc="http://schemas.openxmlformats.org/markup-compatibility/2006" xmlns:p159="http://schemas.microsoft.com/office/powerpoint/2015/09/main">
+    <mc:Choice Requires="p159">
       <p:transition xmlns:p14="http://schemas.microsoft.com/office/powerpoint/2010/main" spd="slow" p14:dur="2000">
         <p159:morph option="byObject"/>
       </p:transition>
     </mc:Choice>
-    <mc:Fallback>
+    <mc:Fallback xmlns="">
       <p:transition spd="slow">
         <p:fade/>
       </p:transition>
@@ -5574,13 +5190,13 @@
   <p:clrMapOvr>
     <a:masterClrMapping/>
   </p:clrMapOvr>
-  <mc:AlternateContent xmlns:mc="http://schemas.openxmlformats.org/markup-compatibility/2006">
-    <mc:Choice xmlns:p159="http://schemas.microsoft.com/office/powerpoint/2015/09/main" Requires="p159">
+  <mc:AlternateContent xmlns:mc="http://schemas.openxmlformats.org/markup-compatibility/2006" xmlns:p159="http://schemas.microsoft.com/office/powerpoint/2015/09/main">
+    <mc:Choice Requires="p159">
       <p:transition xmlns:p14="http://schemas.microsoft.com/office/powerpoint/2010/main" spd="slow" p14:dur="2000">
         <p159:morph option="byObject"/>
       </p:transition>
     </mc:Choice>
-    <mc:Fallback>
+    <mc:Fallback xmlns="">
       <p:transition spd="slow">
         <p:fade/>
       </p:transition>
@@ -6042,13 +5658,13 @@
   <p:clrMapOvr>
     <a:masterClrMapping/>
   </p:clrMapOvr>
-  <mc:AlternateContent xmlns:mc="http://schemas.openxmlformats.org/markup-compatibility/2006">
-    <mc:Choice xmlns:p159="http://schemas.microsoft.com/office/powerpoint/2015/09/main" Requires="p159">
+  <mc:AlternateContent xmlns:mc="http://schemas.openxmlformats.org/markup-compatibility/2006" xmlns:p159="http://schemas.microsoft.com/office/powerpoint/2015/09/main">
+    <mc:Choice Requires="p159">
       <p:transition xmlns:p14="http://schemas.microsoft.com/office/powerpoint/2010/main" spd="slow" p14:dur="2000">
         <p159:morph option="byObject"/>
       </p:transition>
     </mc:Choice>
-    <mc:Fallback>
+    <mc:Fallback xmlns="">
       <p:transition spd="slow">
         <p:fade/>
       </p:transition>
@@ -6209,13 +5825,13 @@
   <p:clrMapOvr>
     <a:masterClrMapping/>
   </p:clrMapOvr>
-  <mc:AlternateContent xmlns:mc="http://schemas.openxmlformats.org/markup-compatibility/2006">
-    <mc:Choice xmlns:p159="http://schemas.microsoft.com/office/powerpoint/2015/09/main" Requires="p159">
+  <mc:AlternateContent xmlns:mc="http://schemas.openxmlformats.org/markup-compatibility/2006" xmlns:p159="http://schemas.microsoft.com/office/powerpoint/2015/09/main">
+    <mc:Choice Requires="p159">
       <p:transition xmlns:p14="http://schemas.microsoft.com/office/powerpoint/2010/main" spd="slow" p14:dur="2000">
         <p159:morph option="byObject"/>
       </p:transition>
     </mc:Choice>
-    <mc:Fallback>
+    <mc:Fallback xmlns="">
       <p:transition spd="slow">
         <p:fade/>
       </p:transition>
@@ -6376,13 +5992,13 @@
   <p:clrMapOvr>
     <a:masterClrMapping/>
   </p:clrMapOvr>
-  <mc:AlternateContent xmlns:mc="http://schemas.openxmlformats.org/markup-compatibility/2006">
-    <mc:Choice xmlns:p159="http://schemas.microsoft.com/office/powerpoint/2015/09/main" Requires="p159">
+  <mc:AlternateContent xmlns:mc="http://schemas.openxmlformats.org/markup-compatibility/2006" xmlns:p159="http://schemas.microsoft.com/office/powerpoint/2015/09/main">
+    <mc:Choice Requires="p159">
       <p:transition xmlns:p14="http://schemas.microsoft.com/office/powerpoint/2010/main" spd="slow" p14:dur="2000">
         <p159:morph option="byObject"/>
       </p:transition>
     </mc:Choice>
-    <mc:Fallback>
+    <mc:Fallback xmlns="">
       <p:transition spd="slow">
         <p:fade/>
       </p:transition>
@@ -7888,13 +7504,13 @@
   <p:clrMapOvr>
     <a:masterClrMapping/>
   </p:clrMapOvr>
-  <mc:AlternateContent xmlns:mc="http://schemas.openxmlformats.org/markup-compatibility/2006">
-    <mc:Choice xmlns:p159="http://schemas.microsoft.com/office/powerpoint/2015/09/main" Requires="p159">
+  <mc:AlternateContent xmlns:mc="http://schemas.openxmlformats.org/markup-compatibility/2006" xmlns:p159="http://schemas.microsoft.com/office/powerpoint/2015/09/main">
+    <mc:Choice Requires="p159">
       <p:transition xmlns:p14="http://schemas.microsoft.com/office/powerpoint/2010/main" spd="slow" p14:dur="2000">
         <p159:morph option="byObject"/>
       </p:transition>
     </mc:Choice>
-    <mc:Fallback>
+    <mc:Fallback xmlns="">
       <p:transition spd="slow">
         <p:fade/>
       </p:transition>
@@ -8368,13 +7984,13 @@
   <p:clrMapOvr>
     <a:masterClrMapping/>
   </p:clrMapOvr>
-  <mc:AlternateContent xmlns:mc="http://schemas.openxmlformats.org/markup-compatibility/2006">
-    <mc:Choice xmlns:p159="http://schemas.microsoft.com/office/powerpoint/2015/09/main" Requires="p159">
+  <mc:AlternateContent xmlns:mc="http://schemas.openxmlformats.org/markup-compatibility/2006" xmlns:p159="http://schemas.microsoft.com/office/powerpoint/2015/09/main">
+    <mc:Choice Requires="p159">
       <p:transition xmlns:p14="http://schemas.microsoft.com/office/powerpoint/2010/main" spd="slow" p14:dur="2000">
         <p159:morph option="byObject"/>
       </p:transition>
     </mc:Choice>
-    <mc:Fallback>
+    <mc:Fallback xmlns="">
       <p:transition spd="slow">
         <p:fade/>
       </p:transition>
@@ -8862,13 +8478,13 @@
   <p:clrMapOvr>
     <a:masterClrMapping/>
   </p:clrMapOvr>
-  <mc:AlternateContent xmlns:mc="http://schemas.openxmlformats.org/markup-compatibility/2006">
-    <mc:Choice xmlns:p159="http://schemas.microsoft.com/office/powerpoint/2015/09/main" Requires="p159">
+  <mc:AlternateContent xmlns:mc="http://schemas.openxmlformats.org/markup-compatibility/2006" xmlns:p159="http://schemas.microsoft.com/office/powerpoint/2015/09/main">
+    <mc:Choice Requires="p159">
       <p:transition xmlns:p14="http://schemas.microsoft.com/office/powerpoint/2010/main" spd="slow" p14:dur="2000">
         <p159:morph option="byObject"/>
       </p:transition>
     </mc:Choice>
-    <mc:Fallback>
+    <mc:Fallback xmlns="">
       <p:transition spd="slow">
         <p:fade/>
       </p:transition>
@@ -9064,8 +8680,12 @@
           </a:lstStyle>
           <a:p>
             <a:r>
+              <a:rPr lang="de-DE" sz="3600"/>
+              <a:t>8.11.2024 </a:t>
+            </a:r>
+            <a:r>
               <a:rPr lang="de-DE" sz="3600" dirty="0"/>
-              <a:t>8.12.2024 – 29.11.2024</a:t>
+              <a:t>– 29.11.2024</a:t>
             </a:r>
           </a:p>
         </p:txBody>
@@ -9262,7 +8882,7 @@
           <a:p>
             <a:r>
               <a:rPr lang="de-DE" dirty="0"/>
-              <a:t>GitHub aufgesetzt: PM, PA und PSP erstellt</a:t>
+              <a:t>GitHub aufgesetzt: PM und PA erstellt</a:t>
             </a:r>
           </a:p>
           <a:p>
@@ -9345,13 +8965,13 @@
   <p:clrMapOvr>
     <a:masterClrMapping/>
   </p:clrMapOvr>
-  <mc:AlternateContent xmlns:mc="http://schemas.openxmlformats.org/markup-compatibility/2006">
-    <mc:Choice xmlns:p159="http://schemas.microsoft.com/office/powerpoint/2015/09/main" Requires="p159">
+  <mc:AlternateContent xmlns:mc="http://schemas.openxmlformats.org/markup-compatibility/2006" xmlns:p159="http://schemas.microsoft.com/office/powerpoint/2015/09/main">
+    <mc:Choice Requires="p159">
       <p:transition xmlns:p14="http://schemas.microsoft.com/office/powerpoint/2010/main" spd="slow" p14:dur="2000">
         <p159:morph option="byObject"/>
       </p:transition>
     </mc:Choice>
-    <mc:Fallback>
+    <mc:Fallback xmlns="">
       <p:transition spd="slow">
         <p:fade/>
       </p:transition>
@@ -9841,13 +9461,13 @@
   <p:clrMapOvr>
     <a:masterClrMapping/>
   </p:clrMapOvr>
-  <mc:AlternateContent xmlns:mc="http://schemas.openxmlformats.org/markup-compatibility/2006">
-    <mc:Choice xmlns:p159="http://schemas.microsoft.com/office/powerpoint/2015/09/main" Requires="p159">
+  <mc:AlternateContent xmlns:mc="http://schemas.openxmlformats.org/markup-compatibility/2006" xmlns:p159="http://schemas.microsoft.com/office/powerpoint/2015/09/main">
+    <mc:Choice Requires="p159">
       <p:transition xmlns:p14="http://schemas.microsoft.com/office/powerpoint/2010/main" spd="slow" p14:dur="2000">
         <p159:morph option="byObject"/>
       </p:transition>
     </mc:Choice>
-    <mc:Fallback>
+    <mc:Fallback xmlns="">
       <p:transition spd="slow">
         <p:fade/>
       </p:transition>
@@ -10051,13 +9671,13 @@
   <p:clrMapOvr>
     <a:masterClrMapping/>
   </p:clrMapOvr>
-  <mc:AlternateContent xmlns:mc="http://schemas.openxmlformats.org/markup-compatibility/2006">
-    <mc:Choice xmlns:p159="http://schemas.microsoft.com/office/powerpoint/2015/09/main" Requires="p159">
+  <mc:AlternateContent xmlns:mc="http://schemas.openxmlformats.org/markup-compatibility/2006" xmlns:p159="http://schemas.microsoft.com/office/powerpoint/2015/09/main">
+    <mc:Choice Requires="p159">
       <p:transition xmlns:p14="http://schemas.microsoft.com/office/powerpoint/2010/main" spd="slow" p14:dur="2000">
         <p159:morph option="byObject"/>
       </p:transition>
     </mc:Choice>
-    <mc:Fallback>
+    <mc:Fallback xmlns="">
       <p:transition spd="slow">
         <p:fade/>
       </p:transition>
@@ -10354,13 +9974,13 @@
   <p:clrMapOvr>
     <a:masterClrMapping/>
   </p:clrMapOvr>
-  <mc:AlternateContent xmlns:mc="http://schemas.openxmlformats.org/markup-compatibility/2006">
-    <mc:Choice xmlns:p159="http://schemas.microsoft.com/office/powerpoint/2015/09/main" Requires="p159">
+  <mc:AlternateContent xmlns:mc="http://schemas.openxmlformats.org/markup-compatibility/2006" xmlns:p159="http://schemas.microsoft.com/office/powerpoint/2015/09/main">
+    <mc:Choice Requires="p159">
       <p:transition xmlns:p14="http://schemas.microsoft.com/office/powerpoint/2010/main" spd="slow" p14:dur="2000">
         <p159:morph option="byObject"/>
       </p:transition>
     </mc:Choice>
-    <mc:Fallback>
+    <mc:Fallback xmlns="">
       <p:transition spd="slow">
         <p:fade/>
       </p:transition>
